--- a/extending_cookbooks-patch.pptx
+++ b/extending_cookbooks-patch.pptx
@@ -225,6 +225,10 @@
             <a:pPr>
               <a:defRPr/>
             </a:pPr>
+            <a:r>
+              <a:rPr lang="en-US" smtClean="0"/>
+              <a:t>Chef Intermediate</a:t>
+            </a:r>
             <a:endParaRPr lang="en-US"/>
           </a:p>
         </p:txBody>
@@ -269,13 +273,10 @@
             <a:pPr>
               <a:defRPr/>
             </a:pPr>
-            <a:fld id="{04CB1577-BF96-2D40-B4CA-2BF6DA80CBA7}" type="datetime1">
-              <a:rPr lang="en-CA"/>
-              <a:pPr>
-                <a:defRPr/>
-              </a:pPr>
-              <a:t>2016-11-02</a:t>
-            </a:fld>
+            <a:r>
+              <a:rPr lang="en-US" smtClean="0"/>
+              <a:t>Chef Software, Inc.</a:t>
+            </a:r>
             <a:endParaRPr lang="en-US" dirty="0"/>
           </a:p>
         </p:txBody>
@@ -386,7 +387,7 @@
     </p:extLst>
   </p:cSld>
   <p:clrMap bg1="lt1" tx1="dk1" bg2="lt2" tx2="dk2" accent1="accent1" accent2="accent2" accent3="accent3" accent4="accent4" accent5="accent5" accent6="accent6" hlink="hlink" folHlink="folHlink"/>
-  <p:hf dt="0"/>
+  <p:hf sldNum="0" ftr="0"/>
 </p:handoutMaster>
 </file>
 
@@ -424,7 +425,7 @@
         </p:nvSpPr>
         <p:spPr>
           <a:xfrm>
-            <a:off x="3884613" y="0"/>
+            <a:off x="3884613" y="108860"/>
             <a:ext cx="2971800" cy="457200"/>
           </a:xfrm>
           <a:prstGeom prst="rect">
@@ -452,13 +453,10 @@
             <a:pPr>
               <a:defRPr/>
             </a:pPr>
-            <a:fld id="{72FDBE47-C34F-CF4A-9709-1411AD5B3286}" type="datetime1">
-              <a:rPr lang="en-CA"/>
-              <a:pPr>
-                <a:defRPr/>
-              </a:pPr>
-              <a:t>2016-11-02</a:t>
-            </a:fld>
+            <a:r>
+              <a:rPr lang="en-US" smtClean="0"/>
+              <a:t>Chef Software, Inc.</a:t>
+            </a:r>
             <a:endParaRPr lang="en-US" dirty="0"/>
           </a:p>
         </p:txBody>
@@ -509,8 +507,8 @@
         </p:nvSpPr>
         <p:spPr>
           <a:xfrm>
-            <a:off x="685800" y="4343400"/>
-            <a:ext cx="5486400" cy="4114800"/>
+            <a:off x="381000" y="4343400"/>
+            <a:ext cx="6096000" cy="4408714"/>
           </a:xfrm>
           <a:prstGeom prst="rect">
             <a:avLst/>
@@ -556,57 +554,6 @@
               <a:t>Fifth level</a:t>
             </a:r>
             <a:endParaRPr lang="en-US" noProof="0" dirty="0"/>
-          </a:p>
-        </p:txBody>
-      </p:sp>
-      <p:sp>
-        <p:nvSpPr>
-          <p:cNvPr id="7" name="Slide Number Placeholder 6"/>
-          <p:cNvSpPr>
-            <a:spLocks noGrp="1"/>
-          </p:cNvSpPr>
-          <p:nvPr>
-            <p:ph type="sldNum" sz="quarter" idx="5"/>
-          </p:nvPr>
-        </p:nvSpPr>
-        <p:spPr>
-          <a:xfrm>
-            <a:off x="6172200" y="8685213"/>
-            <a:ext cx="684213" cy="457200"/>
-          </a:xfrm>
-          <a:prstGeom prst="rect">
-            <a:avLst/>
-          </a:prstGeom>
-        </p:spPr>
-        <p:txBody>
-          <a:bodyPr vert="horz" lIns="91440" tIns="45720" rIns="91440" bIns="45720" rtlCol="0" anchor="b"/>
-          <a:lstStyle>
-            <a:lvl1pPr algn="r" defTabSz="1219120" fontAlgn="auto">
-              <a:spcBef>
-                <a:spcPts val="0"/>
-              </a:spcBef>
-              <a:spcAft>
-                <a:spcPts val="0"/>
-              </a:spcAft>
-              <a:defRPr sz="1200" smtClean="0">
-                <a:latin typeface="Arial" panose="020B0604020202020204" pitchFamily="34" charset="0"/>
-                <a:ea typeface="+mn-ea"/>
-                <a:cs typeface="Arial" panose="020B0604020202020204" pitchFamily="34" charset="0"/>
-              </a:defRPr>
-            </a:lvl1pPr>
-          </a:lstStyle>
-          <a:p>
-            <a:pPr>
-              <a:defRPr/>
-            </a:pPr>
-            <a:fld id="{DC3734AA-3150-D947-AC52-2F5DF48BFCD5}" type="slidenum">
-              <a:rPr lang="en-US"/>
-              <a:pPr>
-                <a:defRPr/>
-              </a:pPr>
-              <a:t>‹#›</a:t>
-            </a:fld>
-            <a:endParaRPr lang="en-US" dirty="0"/>
           </a:p>
         </p:txBody>
       </p:sp>
@@ -622,7 +569,7 @@
         </p:nvSpPr>
         <p:spPr>
           <a:xfrm>
-            <a:off x="0" y="0"/>
+            <a:off x="0" y="108860"/>
             <a:ext cx="2971800" cy="457200"/>
           </a:xfrm>
           <a:prstGeom prst="rect">
@@ -650,53 +597,10 @@
             <a:pPr>
               <a:defRPr/>
             </a:pPr>
-            <a:endParaRPr lang="en-US"/>
-          </a:p>
-        </p:txBody>
-      </p:sp>
-      <p:sp>
-        <p:nvSpPr>
-          <p:cNvPr id="9" name="Footer Placeholder 3"/>
-          <p:cNvSpPr>
-            <a:spLocks noGrp="1"/>
-          </p:cNvSpPr>
-          <p:nvPr>
-            <p:ph type="ftr" sz="quarter" idx="4"/>
-          </p:nvPr>
-        </p:nvSpPr>
-        <p:spPr>
-          <a:xfrm>
-            <a:off x="0" y="8685213"/>
-            <a:ext cx="6248400" cy="457200"/>
-          </a:xfrm>
-          <a:prstGeom prst="rect">
-            <a:avLst/>
-          </a:prstGeom>
-        </p:spPr>
-        <p:txBody>
-          <a:bodyPr vert="horz" lIns="91440" tIns="45720" rIns="91440" bIns="45720" rtlCol="0" anchor="b"/>
-          <a:lstStyle>
-            <a:lvl1pPr algn="l" defTabSz="1219120" fontAlgn="auto">
-              <a:spcBef>
-                <a:spcPts val="0"/>
-              </a:spcBef>
-              <a:spcAft>
-                <a:spcPts val="0"/>
-              </a:spcAft>
-              <a:defRPr sz="900" dirty="0" smtClean="0">
-                <a:solidFill>
-                  <a:srgbClr val="000000"/>
-                </a:solidFill>
-                <a:latin typeface="Arial" panose="020B0604020202020204" pitchFamily="34" charset="0"/>
-                <a:ea typeface="+mn-ea"/>
-                <a:cs typeface="Arial" panose="020B0604020202020204" pitchFamily="34" charset="0"/>
-              </a:defRPr>
-            </a:lvl1pPr>
-          </a:lstStyle>
-          <a:p>
-            <a:pPr>
-              <a:defRPr/>
-            </a:pPr>
+            <a:r>
+              <a:rPr lang="en-US" smtClean="0"/>
+              <a:t>Chef Intermediate</a:t>
+            </a:r>
             <a:endParaRPr lang="en-US"/>
           </a:p>
         </p:txBody>
@@ -709,7 +613,7 @@
     </p:extLst>
   </p:cSld>
   <p:clrMap bg1="lt1" tx1="dk1" bg2="lt2" tx2="dk2" accent1="accent1" accent2="accent2" accent3="accent3" accent4="accent4" accent5="accent5" accent6="accent6" hlink="hlink" folHlink="folHlink"/>
-  <p:hf dt="0"/>
+  <p:hf sldNum="0" ftr="0"/>
   <p:notesStyle>
     <a:lvl1pPr algn="l" defTabSz="1217613" rtl="0" fontAlgn="base">
       <a:lnSpc>
@@ -858,6 +762,119 @@
 </p:notesMaster>
 </file>
 
+<file path=ppt/notesSlides/notesSlide1.xml><?xml version="1.0" encoding="utf-8"?>
+<p:notes xmlns:a="http://schemas.openxmlformats.org/drawingml/2006/main" xmlns:r="http://schemas.openxmlformats.org/officeDocument/2006/relationships" xmlns:p="http://schemas.openxmlformats.org/presentationml/2006/main">
+  <p:cSld>
+    <p:spTree>
+      <p:nvGrpSpPr>
+        <p:cNvPr id="1" name=""/>
+        <p:cNvGrpSpPr/>
+        <p:nvPr/>
+      </p:nvGrpSpPr>
+      <p:grpSpPr>
+        <a:xfrm>
+          <a:off x="0" y="0"/>
+          <a:ext cx="0" cy="0"/>
+          <a:chOff x="0" y="0"/>
+          <a:chExt cx="0" cy="0"/>
+        </a:xfrm>
+      </p:grpSpPr>
+      <p:sp>
+        <p:nvSpPr>
+          <p:cNvPr id="2" name="Slide Image Placeholder 1"/>
+          <p:cNvSpPr>
+            <a:spLocks noGrp="1" noRot="1" noChangeAspect="1"/>
+          </p:cNvSpPr>
+          <p:nvPr>
+            <p:ph type="sldImg"/>
+          </p:nvPr>
+        </p:nvSpPr>
+        <p:spPr/>
+      </p:sp>
+      <p:sp>
+        <p:nvSpPr>
+          <p:cNvPr id="3" name="Notes Placeholder 2"/>
+          <p:cNvSpPr>
+            <a:spLocks noGrp="1"/>
+          </p:cNvSpPr>
+          <p:nvPr>
+            <p:ph type="body" idx="1"/>
+          </p:nvPr>
+        </p:nvSpPr>
+        <p:spPr/>
+        <p:txBody>
+          <a:bodyPr/>
+          <a:lstStyle/>
+          <a:p>
+            <a:endParaRPr lang="en-US"/>
+          </a:p>
+        </p:txBody>
+      </p:sp>
+      <p:sp>
+        <p:nvSpPr>
+          <p:cNvPr id="5" name="Header Placeholder 4"/>
+          <p:cNvSpPr>
+            <a:spLocks noGrp="1"/>
+          </p:cNvSpPr>
+          <p:nvPr>
+            <p:ph type="hdr" sz="quarter" idx="11"/>
+          </p:nvPr>
+        </p:nvSpPr>
+        <p:spPr/>
+        <p:txBody>
+          <a:bodyPr/>
+          <a:lstStyle/>
+          <a:p>
+            <a:pPr>
+              <a:defRPr/>
+            </a:pPr>
+            <a:r>
+              <a:rPr lang="en-US" smtClean="0"/>
+              <a:t>Chef Intermediate</a:t>
+            </a:r>
+            <a:endParaRPr lang="en-US"/>
+          </a:p>
+        </p:txBody>
+      </p:sp>
+      <p:sp>
+        <p:nvSpPr>
+          <p:cNvPr id="7" name="Date Placeholder 6"/>
+          <p:cNvSpPr>
+            <a:spLocks noGrp="1"/>
+          </p:cNvSpPr>
+          <p:nvPr>
+            <p:ph type="dt" idx="13"/>
+          </p:nvPr>
+        </p:nvSpPr>
+        <p:spPr/>
+        <p:txBody>
+          <a:bodyPr/>
+          <a:lstStyle/>
+          <a:p>
+            <a:pPr>
+              <a:defRPr/>
+            </a:pPr>
+            <a:r>
+              <a:rPr lang="en-US" smtClean="0"/>
+              <a:t>Chef Software, Inc.</a:t>
+            </a:r>
+            <a:endParaRPr lang="en-US" dirty="0"/>
+          </a:p>
+        </p:txBody>
+      </p:sp>
+    </p:spTree>
+    <p:extLst>
+      <p:ext uri="{BB962C8B-B14F-4D97-AF65-F5344CB8AC3E}">
+        <p14:creationId xmlns:p14="http://schemas.microsoft.com/office/powerpoint/2010/main" val="1736232791"/>
+      </p:ext>
+    </p:extLst>
+  </p:cSld>
+  <p:clrMapOvr>
+    <a:masterClrMapping/>
+  </p:clrMapOvr>
+</p:notes>
+</file>
+
 <file path=ppt/slideLayouts/slideLayout1.xml><?xml version="1.0" encoding="utf-8"?>
 <p:sldLayout xmlns:a="http://schemas.openxmlformats.org/drawingml/2006/main" xmlns:r="http://schemas.openxmlformats.org/officeDocument/2006/relationships" xmlns:p="http://schemas.openxmlformats.org/presentationml/2006/main" preserve="1" userDrawn="1">
   <p:cSld name="Title Slide">
@@ -7236,7 +7253,7 @@
               <a:defRPr/>
             </a:pPr>
             <a:r>
-              <a:rPr lang="en-US" dirty="0">
+              <a:rPr lang="en-US" dirty="0" smtClean="0">
                 <a:solidFill>
                   <a:srgbClr val="7D868C"/>
                 </a:solidFill>
@@ -7247,7 +7264,7 @@
               <a:t>©</a:t>
             </a:r>
             <a:r>
-              <a:rPr lang="en-US" dirty="0" smtClean="0">
+              <a:rPr lang="is-IS" dirty="0" smtClean="0">
                 <a:solidFill>
                   <a:srgbClr val="7D868C"/>
                 </a:solidFill>
@@ -7255,7 +7272,18 @@
                 <a:ea typeface="+mn-ea"/>
                 <a:cs typeface="+mn-cs"/>
               </a:rPr>
-              <a:t>2016 </a:t>
+              <a:t>2017</a:t>
+            </a:r>
+            <a:r>
+              <a:rPr lang="en-US" dirty="0" smtClean="0">
+                <a:solidFill>
+                  <a:srgbClr val="7D868C"/>
+                </a:solidFill>
+                <a:latin typeface="+mn-lt"/>
+                <a:ea typeface="+mn-ea"/>
+                <a:cs typeface="+mn-cs"/>
+              </a:rPr>
+              <a:t> </a:t>
             </a:r>
             <a:r>
               <a:rPr lang="en-US" dirty="0">
@@ -7288,78 +7316,6 @@
               <a:defRPr/>
             </a:pPr>
             <a:endParaRPr lang="en-US" dirty="0">
-              <a:latin typeface="+mn-lt"/>
-              <a:ea typeface="+mn-ea"/>
-              <a:cs typeface="+mn-cs"/>
-            </a:endParaRPr>
-          </a:p>
-        </p:txBody>
-      </p:sp>
-      <p:sp>
-        <p:nvSpPr>
-          <p:cNvPr id="5" name="TextBox 4"/>
-          <p:cNvSpPr txBox="1"/>
-          <p:nvPr/>
-        </p:nvSpPr>
-        <p:spPr bwMode="white">
-          <a:xfrm>
-            <a:off x="7410450" y="8456613"/>
-            <a:ext cx="1435100" cy="522287"/>
-          </a:xfrm>
-          <a:prstGeom prst="rect">
-            <a:avLst/>
-          </a:prstGeom>
-        </p:spPr>
-        <p:txBody>
-          <a:bodyPr tIns="91440" bIns="91440">
-            <a:normAutofit lnSpcReduction="10000"/>
-          </a:bodyPr>
-          <a:lstStyle/>
-          <a:p>
-            <a:pPr algn="ctr" defTabSz="1219120" fontAlgn="auto">
-              <a:spcBef>
-                <a:spcPts val="0"/>
-              </a:spcBef>
-              <a:spcAft>
-                <a:spcPts val="0"/>
-              </a:spcAft>
-              <a:defRPr/>
-            </a:pPr>
-            <a:r>
-              <a:rPr lang="en-US" dirty="0">
-                <a:solidFill>
-                  <a:srgbClr val="7F7F7F"/>
-                </a:solidFill>
-                <a:latin typeface="+mn-lt"/>
-                <a:ea typeface="+mn-ea"/>
-                <a:cs typeface="+mn-cs"/>
-              </a:rPr>
-              <a:t>1-</a:t>
-            </a:r>
-            <a:fld id="{F0B79B2F-E1DD-4D43-95B3-EA08C411D807}" type="slidenum">
-              <a:rPr lang="en-US">
-                <a:solidFill>
-                  <a:srgbClr val="7F7F7F"/>
-                </a:solidFill>
-                <a:latin typeface="+mn-lt"/>
-                <a:ea typeface="+mn-ea"/>
-                <a:cs typeface="+mn-cs"/>
-              </a:rPr>
-              <a:pPr algn="ctr" defTabSz="1219120" fontAlgn="auto">
-                <a:spcBef>
-                  <a:spcPts val="0"/>
-                </a:spcBef>
-                <a:spcAft>
-                  <a:spcPts val="0"/>
-                </a:spcAft>
-                <a:defRPr/>
-              </a:pPr>
-              <a:t>‹#›</a:t>
-            </a:fld>
-            <a:endParaRPr lang="en-US" dirty="0">
-              <a:solidFill>
-                <a:srgbClr val="7F7F7F"/>
-              </a:solidFill>
               <a:latin typeface="+mn-lt"/>
               <a:ea typeface="+mn-ea"/>
               <a:cs typeface="+mn-cs"/>
@@ -8005,7 +7961,7 @@
               <a:defRPr/>
             </a:pPr>
             <a:r>
-              <a:rPr lang="en-US" dirty="0">
+              <a:rPr lang="en-US" dirty="0" smtClean="0">
                 <a:solidFill>
                   <a:srgbClr val="7D868C"/>
                 </a:solidFill>
@@ -8016,7 +7972,7 @@
               <a:t>©</a:t>
             </a:r>
             <a:r>
-              <a:rPr lang="en-US" dirty="0" smtClean="0">
+              <a:rPr lang="is-IS" dirty="0" smtClean="0">
                 <a:solidFill>
                   <a:srgbClr val="7D868C"/>
                 </a:solidFill>
@@ -8024,7 +7980,18 @@
                 <a:ea typeface="+mn-ea"/>
                 <a:cs typeface="+mn-cs"/>
               </a:rPr>
-              <a:t>2016 </a:t>
+              <a:t>2017</a:t>
+            </a:r>
+            <a:r>
+              <a:rPr lang="en-US" dirty="0" smtClean="0">
+                <a:solidFill>
+                  <a:srgbClr val="7D868C"/>
+                </a:solidFill>
+                <a:latin typeface="+mn-lt"/>
+                <a:ea typeface="+mn-ea"/>
+                <a:cs typeface="+mn-cs"/>
+              </a:rPr>
+              <a:t> </a:t>
             </a:r>
             <a:r>
               <a:rPr lang="en-US" dirty="0">
@@ -8057,78 +8024,6 @@
               <a:defRPr/>
             </a:pPr>
             <a:endParaRPr lang="en-US" dirty="0">
-              <a:latin typeface="+mn-lt"/>
-              <a:ea typeface="+mn-ea"/>
-              <a:cs typeface="+mn-cs"/>
-            </a:endParaRPr>
-          </a:p>
-        </p:txBody>
-      </p:sp>
-      <p:sp>
-        <p:nvSpPr>
-          <p:cNvPr id="5" name="TextBox 4"/>
-          <p:cNvSpPr txBox="1"/>
-          <p:nvPr/>
-        </p:nvSpPr>
-        <p:spPr bwMode="white">
-          <a:xfrm>
-            <a:off x="7410450" y="8456613"/>
-            <a:ext cx="1435100" cy="522287"/>
-          </a:xfrm>
-          <a:prstGeom prst="rect">
-            <a:avLst/>
-          </a:prstGeom>
-        </p:spPr>
-        <p:txBody>
-          <a:bodyPr tIns="91440" bIns="91440">
-            <a:normAutofit lnSpcReduction="10000"/>
-          </a:bodyPr>
-          <a:lstStyle/>
-          <a:p>
-            <a:pPr algn="ctr" defTabSz="1219120" fontAlgn="auto">
-              <a:spcBef>
-                <a:spcPts val="0"/>
-              </a:spcBef>
-              <a:spcAft>
-                <a:spcPts val="0"/>
-              </a:spcAft>
-              <a:defRPr/>
-            </a:pPr>
-            <a:r>
-              <a:rPr lang="en-US" dirty="0">
-                <a:solidFill>
-                  <a:srgbClr val="7F7F7F"/>
-                </a:solidFill>
-                <a:latin typeface="+mn-lt"/>
-                <a:ea typeface="+mn-ea"/>
-                <a:cs typeface="+mn-cs"/>
-              </a:rPr>
-              <a:t>1-</a:t>
-            </a:r>
-            <a:fld id="{F0B79B2F-E1DD-4D43-95B3-EA08C411D807}" type="slidenum">
-              <a:rPr lang="en-US">
-                <a:solidFill>
-                  <a:srgbClr val="7F7F7F"/>
-                </a:solidFill>
-                <a:latin typeface="+mn-lt"/>
-                <a:ea typeface="+mn-ea"/>
-                <a:cs typeface="+mn-cs"/>
-              </a:rPr>
-              <a:pPr algn="ctr" defTabSz="1219120" fontAlgn="auto">
-                <a:spcBef>
-                  <a:spcPts val="0"/>
-                </a:spcBef>
-                <a:spcAft>
-                  <a:spcPts val="0"/>
-                </a:spcAft>
-                <a:defRPr/>
-              </a:pPr>
-              <a:t>‹#›</a:t>
-            </a:fld>
-            <a:endParaRPr lang="en-US" dirty="0">
-              <a:solidFill>
-                <a:srgbClr val="7F7F7F"/>
-              </a:solidFill>
               <a:latin typeface="+mn-lt"/>
               <a:ea typeface="+mn-ea"/>
               <a:cs typeface="+mn-cs"/>
@@ -10314,6 +10209,18 @@
 </file>
 
 <file path=customXml/item1.xml><?xml version="1.0" encoding="utf-8"?>
+<p:properties xmlns:p="http://schemas.microsoft.com/office/2006/metadata/properties" xmlns:xsi="http://www.w3.org/2001/XMLSchema-instance" xmlns:pc="http://schemas.microsoft.com/office/infopath/2007/PartnerControls">
+  <documentManagement>
+    <_dlc_DocId xmlns="7bb5d761-a2ea-4873-95f7-7a6658fb3ef0">M4CWTKMW727E-592-73</_dlc_DocId>
+    <_dlc_DocIdUrl xmlns="7bb5d761-a2ea-4873-95f7-7a6658fb3ef0">
+      <Url>https://kms.vci.local/marketing/team/_layouts/DocIdRedir.aspx?ID=M4CWTKMW727E-592-73</Url>
+      <Description>M4CWTKMW727E-592-73</Description>
+    </_dlc_DocIdUrl>
+  </documentManagement>
+</p:properties>
+</file>
+
+<file path=customXml/item2.xml><?xml version="1.0" encoding="utf-8"?>
 <?mso-contentType ?>
 <FormTemplates xmlns="http://schemas.microsoft.com/sharepoint/v3/contenttype/forms">
   <Display>DocumentLibraryForm</Display>
@@ -10322,7 +10229,7 @@
 </FormTemplates>
 </file>
 
-<file path=customXml/item2.xml><?xml version="1.0" encoding="utf-8"?>
+<file path=customXml/item3.xml><?xml version="1.0" encoding="utf-8"?>
 <?mso-contentType ?>
 <spe:Receivers xmlns:spe="http://schemas.microsoft.com/sharepoint/events">
   <Receiver>
@@ -10368,7 +10275,7 @@
 </spe:Receivers>
 </file>
 
-<file path=customXml/item3.xml><?xml version="1.0" encoding="utf-8"?>
+<file path=customXml/item4.xml><?xml version="1.0" encoding="utf-8"?>
 <ct:contentTypeSchema xmlns:ct="http://schemas.microsoft.com/office/2006/metadata/contentType" xmlns:ma="http://schemas.microsoft.com/office/2006/metadata/properties/metaAttributes" ct:_="" ma:_="" ma:contentTypeName="Document" ma:contentTypeID="0x0101000812F700BE7F874999720E88173FE491" ma:contentTypeVersion="0" ma:contentTypeDescription="Create a new document." ma:contentTypeScope="" ma:versionID="3f79f408e2ca720b7aba6e0e32464d0c">
   <xsd:schema xmlns:xsd="http://www.w3.org/2001/XMLSchema" xmlns:xs="http://www.w3.org/2001/XMLSchema" xmlns:p="http://schemas.microsoft.com/office/2006/metadata/properties" xmlns:ns2="7bb5d761-a2ea-4873-95f7-7a6658fb3ef0" targetNamespace="http://schemas.microsoft.com/office/2006/metadata/properties" ma:root="true" ma:fieldsID="1e062cd38ba31e406bfc4340fbc7f87a" ns2:_="">
     <xsd:import namespace="7bb5d761-a2ea-4873-95f7-7a6658fb3ef0"/>
@@ -10513,19 +10420,23 @@
 </ct:contentTypeSchema>
 </file>
 
-<file path=customXml/item4.xml><?xml version="1.0" encoding="utf-8"?>
-<p:properties xmlns:p="http://schemas.microsoft.com/office/2006/metadata/properties" xmlns:xsi="http://www.w3.org/2001/XMLSchema-instance" xmlns:pc="http://schemas.microsoft.com/office/infopath/2007/PartnerControls">
-  <documentManagement>
-    <_dlc_DocId xmlns="7bb5d761-a2ea-4873-95f7-7a6658fb3ef0">M4CWTKMW727E-592-73</_dlc_DocId>
-    <_dlc_DocIdUrl xmlns="7bb5d761-a2ea-4873-95f7-7a6658fb3ef0">
-      <Url>https://kms.vci.local/marketing/team/_layouts/DocIdRedir.aspx?ID=M4CWTKMW727E-592-73</Url>
-      <Description>M4CWTKMW727E-592-73</Description>
-    </_dlc_DocIdUrl>
-  </documentManagement>
-</p:properties>
+<file path=customXml/itemProps1.xml><?xml version="1.0" encoding="utf-8"?>
+<ds:datastoreItem xmlns:ds="http://schemas.openxmlformats.org/officeDocument/2006/customXml" ds:itemID="{6921749B-AEB7-461B-845F-603CABD25259}">
+  <ds:schemaRefs>
+    <ds:schemaRef ds:uri="7bb5d761-a2ea-4873-95f7-7a6658fb3ef0"/>
+    <ds:schemaRef ds:uri="http://purl.org/dc/terms/"/>
+    <ds:schemaRef ds:uri="http://schemas.openxmlformats.org/package/2006/metadata/core-properties"/>
+    <ds:schemaRef ds:uri="http://purl.org/dc/dcmitype/"/>
+    <ds:schemaRef ds:uri="http://schemas.microsoft.com/office/infopath/2007/PartnerControls"/>
+    <ds:schemaRef ds:uri="http://schemas.microsoft.com/office/2006/documentManagement/types"/>
+    <ds:schemaRef ds:uri="http://purl.org/dc/elements/1.1/"/>
+    <ds:schemaRef ds:uri="http://schemas.microsoft.com/office/2006/metadata/properties"/>
+    <ds:schemaRef ds:uri="http://www.w3.org/XML/1998/namespace"/>
+  </ds:schemaRefs>
+</ds:datastoreItem>
 </file>
 
-<file path=customXml/itemProps1.xml><?xml version="1.0" encoding="utf-8"?>
+<file path=customXml/itemProps2.xml><?xml version="1.0" encoding="utf-8"?>
 <ds:datastoreItem xmlns:ds="http://schemas.openxmlformats.org/officeDocument/2006/customXml" ds:itemID="{5CDEB364-43EC-4510-9881-539C2A3FCE9E}">
   <ds:schemaRefs>
     <ds:schemaRef ds:uri="http://schemas.microsoft.com/sharepoint/v3/contenttype/forms"/>
@@ -10533,7 +10444,7 @@
 </ds:datastoreItem>
 </file>
 
-<file path=customXml/itemProps2.xml><?xml version="1.0" encoding="utf-8"?>
+<file path=customXml/itemProps3.xml><?xml version="1.0" encoding="utf-8"?>
 <ds:datastoreItem xmlns:ds="http://schemas.openxmlformats.org/officeDocument/2006/customXml" ds:itemID="{B13EBC30-FE27-4C6A-B723-23FC2188F7DC}">
   <ds:schemaRefs>
     <ds:schemaRef ds:uri="http://schemas.microsoft.com/sharepoint/events"/>
@@ -10541,7 +10452,7 @@
 </ds:datastoreItem>
 </file>
 
-<file path=customXml/itemProps3.xml><?xml version="1.0" encoding="utf-8"?>
+<file path=customXml/itemProps4.xml><?xml version="1.0" encoding="utf-8"?>
 <ds:datastoreItem xmlns:ds="http://schemas.openxmlformats.org/officeDocument/2006/customXml" ds:itemID="{164479E5-0B02-49AC-B79E-EC1D6164DDD3}">
   <ds:schemaRefs>
     <ds:schemaRef ds:uri="http://schemas.microsoft.com/office/2006/metadata/contentType"/>
@@ -10557,20 +10468,4 @@
     <ds:schemaRef ds:uri="http://schemas.microsoft.com/internal/obd"/>
   </ds:schemaRefs>
 </ds:datastoreItem>
-</file>
-
-<file path=customXml/itemProps4.xml><?xml version="1.0" encoding="utf-8"?>
-<ds:datastoreItem xmlns:ds="http://schemas.openxmlformats.org/officeDocument/2006/customXml" ds:itemID="{6921749B-AEB7-461B-845F-603CABD25259}">
-  <ds:schemaRefs>
-    <ds:schemaRef ds:uri="7bb5d761-a2ea-4873-95f7-7a6658fb3ef0"/>
-    <ds:schemaRef ds:uri="http://purl.org/dc/terms/"/>
-    <ds:schemaRef ds:uri="http://schemas.openxmlformats.org/package/2006/metadata/core-properties"/>
-    <ds:schemaRef ds:uri="http://purl.org/dc/dcmitype/"/>
-    <ds:schemaRef ds:uri="http://schemas.microsoft.com/office/infopath/2007/PartnerControls"/>
-    <ds:schemaRef ds:uri="http://schemas.microsoft.com/office/2006/documentManagement/types"/>
-    <ds:schemaRef ds:uri="http://purl.org/dc/elements/1.1/"/>
-    <ds:schemaRef ds:uri="http://schemas.microsoft.com/office/2006/metadata/properties"/>
-    <ds:schemaRef ds:uri="http://www.w3.org/XML/1998/namespace"/>
-  </ds:schemaRefs>
-</ds:datastoreItem>
 </file>